--- a/ARIMA_LSTM_presentation.pptx
+++ b/ARIMA_LSTM_presentation.pptx
@@ -23,14 +23,14 @@
   <p:notesSz cx="6858000" cy="9144000"/>
   <p:embeddedFontLst>
     <p:embeddedFont>
-      <p:font typeface="Lato" panose="020B0604020202020204" charset="0"/>
+      <p:font typeface="Raleway" panose="020B0604020202020204" charset="0"/>
       <p:regular r:id="rId13"/>
       <p:bold r:id="rId14"/>
       <p:italic r:id="rId15"/>
       <p:boldItalic r:id="rId16"/>
     </p:embeddedFont>
     <p:embeddedFont>
-      <p:font typeface="Raleway" panose="020B0604020202020204" charset="0"/>
+      <p:font typeface="Lato" panose="020B0604020202020204" charset="0"/>
       <p:regular r:id="rId17"/>
       <p:bold r:id="rId18"/>
       <p:italic r:id="rId19"/>
@@ -5195,7 +5195,7 @@
         <p:spPr>
           <a:xfrm>
             <a:off x="553710" y="287280"/>
-            <a:ext cx="7670386" cy="2769989"/>
+            <a:ext cx="7670386" cy="2616101"/>
           </a:xfrm>
           <a:prstGeom prst="rect">
             <a:avLst/>
@@ -5208,50 +5208,25 @@
           </a:bodyPr>
           <a:lstStyle/>
           <a:p>
-            <a:r>
-              <a:rPr lang="en-IN" sz="3000" b="0" i="0" u="none" strike="noStrike" baseline="0" dirty="0">
+            <a:pPr algn="ctr"/>
+            <a:r>
+              <a:rPr lang="en-IN" sz="2400" b="0" i="0" u="none" strike="noStrike" baseline="0" dirty="0" smtClean="0">
                 <a:solidFill>
                   <a:schemeClr val="bg1"/>
                 </a:solidFill>
                 <a:latin typeface="Raleway" panose="020B0604020202020204" charset="0"/>
               </a:rPr>
-              <a:t>MACHINE </a:t>
-            </a:r>
-            <a:r>
-              <a:rPr lang="en-IN" sz="3000" b="0" i="0" u="none" strike="noStrike" baseline="0">
+              <a:t>MINOR </a:t>
+            </a:r>
+            <a:r>
+              <a:rPr lang="en-IN" sz="2400" b="0" i="0" u="none" strike="noStrike" baseline="0" dirty="0">
                 <a:solidFill>
                   <a:schemeClr val="bg1"/>
                 </a:solidFill>
                 <a:latin typeface="Raleway" panose="020B0604020202020204" charset="0"/>
               </a:rPr>
-              <a:t>LEARNING </a:t>
-            </a:r>
-            <a:r>
-              <a:rPr lang="en-IN" sz="3000" b="0" i="0" u="none" strike="noStrike" baseline="0" smtClean="0">
-                <a:solidFill>
-                  <a:schemeClr val="bg1"/>
-                </a:solidFill>
-                <a:latin typeface="Raleway" panose="020B0604020202020204" charset="0"/>
-              </a:rPr>
-              <a:t>- MINOR </a:t>
-            </a:r>
-            <a:r>
-              <a:rPr lang="en-IN" sz="3000" b="0" i="0" u="none" strike="noStrike" baseline="0" dirty="0">
-                <a:solidFill>
-                  <a:schemeClr val="bg1"/>
-                </a:solidFill>
-                <a:latin typeface="Raleway" panose="020B0604020202020204" charset="0"/>
-              </a:rPr>
               <a:t>PROJECT</a:t>
             </a:r>
-          </a:p>
-          <a:p>
-            <a:endParaRPr lang="en-IN" sz="2800" b="0" i="0" u="none" strike="noStrike" baseline="0" dirty="0">
-              <a:solidFill>
-                <a:schemeClr val="bg1"/>
-              </a:solidFill>
-              <a:latin typeface="Raleway" panose="020B0604020202020204" charset="0"/>
-            </a:endParaRPr>
           </a:p>
           <a:p>
             <a:endParaRPr lang="en-US" sz="2000" b="0" i="0" u="none" strike="noStrike" baseline="0" dirty="0">
@@ -5262,27 +5237,35 @@
             </a:endParaRPr>
           </a:p>
           <a:p>
-            <a:r>
-              <a:rPr lang="en-US" sz="2000" b="0" i="0" u="none" strike="noStrike" baseline="0" dirty="0">
+            <a:pPr algn="ctr"/>
+            <a:r>
+              <a:rPr lang="en-US" sz="3200" b="0" i="0" u="none" strike="noStrike" baseline="0" dirty="0">
                 <a:solidFill>
                   <a:schemeClr val="bg1"/>
                 </a:solidFill>
                 <a:latin typeface="Raleway" panose="020B0604020202020204" charset="0"/>
               </a:rPr>
-              <a:t>A COMPARISON OF ARIMA AND LSTM IN TIME FORCASTING </a:t>
-            </a:r>
-          </a:p>
-          <a:p>
-            <a:r>
-              <a:rPr lang="en-US" sz="2000" dirty="0">
+              <a:t>A COMPARISON OF ARIMA AND LSTM IN </a:t>
+            </a:r>
+            <a:r>
+              <a:rPr lang="en-US" sz="3200" b="0" i="0" u="none" strike="noStrike" baseline="0" dirty="0" smtClean="0">
                 <a:solidFill>
                   <a:schemeClr val="bg1"/>
                 </a:solidFill>
                 <a:latin typeface="Raleway" panose="020B0604020202020204" charset="0"/>
               </a:rPr>
-              <a:t>TIME SERIES</a:t>
-            </a:r>
-            <a:endParaRPr lang="en-IN" sz="2000" dirty="0">
+              <a:t>TIME SERIES </a:t>
+            </a:r>
+            <a:r>
+              <a:rPr lang="en-US" sz="3200" b="0" i="0" u="none" strike="noStrike" baseline="0" dirty="0">
+                <a:solidFill>
+                  <a:schemeClr val="bg1"/>
+                </a:solidFill>
+                <a:latin typeface="Raleway" panose="020B0604020202020204" charset="0"/>
+              </a:rPr>
+              <a:t>FORCASTING </a:t>
+            </a:r>
+            <a:endParaRPr lang="en-IN" sz="3200" dirty="0">
               <a:solidFill>
                 <a:schemeClr val="bg1"/>
               </a:solidFill>
@@ -5321,8 +5304,8 @@
         </p:nvSpPr>
         <p:spPr>
           <a:xfrm>
-            <a:off x="603328" y="2351787"/>
-            <a:ext cx="1620508" cy="1384995"/>
+            <a:off x="891093" y="2340765"/>
+            <a:ext cx="1870365" cy="1061829"/>
           </a:xfrm>
           <a:prstGeom prst="rect">
             <a:avLst/>
@@ -5337,7 +5320,7 @@
           <a:p>
             <a:pPr algn="l"/>
             <a:r>
-              <a:rPr lang="en-IN" sz="1200" b="0" i="0" u="none" strike="noStrike" baseline="0" dirty="0">
+              <a:rPr lang="en-IN" sz="1050" b="0" i="0" u="none" strike="noStrike" baseline="0" dirty="0">
                 <a:solidFill>
                   <a:schemeClr val="bg1"/>
                 </a:solidFill>
@@ -5349,7 +5332,7 @@
           <a:p>
             <a:pPr algn="l"/>
             <a:r>
-              <a:rPr lang="en-IN" sz="1200" b="0" i="0" u="none" strike="noStrike" baseline="0" dirty="0">
+              <a:rPr lang="en-IN" sz="1050" b="0" i="0" u="none" strike="noStrike" baseline="0" dirty="0">
                 <a:solidFill>
                   <a:schemeClr val="bg1"/>
                 </a:solidFill>
@@ -5361,7 +5344,7 @@
           <a:p>
             <a:pPr algn="l"/>
             <a:r>
-              <a:rPr lang="en-IN" sz="1200" b="0" i="0" u="none" strike="noStrike" baseline="0" dirty="0">
+              <a:rPr lang="en-IN" sz="1050" b="0" i="0" u="none" strike="noStrike" baseline="0" dirty="0">
                 <a:solidFill>
                   <a:schemeClr val="bg1"/>
                 </a:solidFill>
@@ -5373,7 +5356,7 @@
           <a:p>
             <a:pPr algn="l"/>
             <a:r>
-              <a:rPr lang="fr-FR" sz="1200" b="0" i="0" u="none" strike="noStrike" baseline="0" dirty="0">
+              <a:rPr lang="fr-FR" sz="1050" b="0" i="0" u="none" strike="noStrike" baseline="0" dirty="0">
                 <a:solidFill>
                   <a:schemeClr val="bg1"/>
                 </a:solidFill>
@@ -5381,7 +5364,7 @@
               </a:rPr>
               <a:t>Email: sima.siami-namini@ttu.edu</a:t>
             </a:r>
-            <a:endParaRPr lang="en-IN" sz="1200" dirty="0">
+            <a:endParaRPr lang="en-IN" sz="1050" dirty="0">
               <a:solidFill>
                 <a:schemeClr val="bg1"/>
               </a:solidFill>
@@ -5405,7 +5388,7 @@
         <p:spPr>
           <a:xfrm>
             <a:off x="3098840" y="2328969"/>
-            <a:ext cx="2176131" cy="1384995"/>
+            <a:ext cx="2345996" cy="738664"/>
           </a:xfrm>
           <a:prstGeom prst="rect">
             <a:avLst/>
@@ -5420,7 +5403,7 @@
           <a:p>
             <a:pPr algn="l"/>
             <a:r>
-              <a:rPr lang="en-IN" sz="1200" b="0" i="0" u="none" strike="noStrike" baseline="0" dirty="0">
+              <a:rPr lang="en-IN" sz="1050" b="0" i="0" u="none" strike="noStrike" baseline="0" dirty="0">
                 <a:solidFill>
                   <a:schemeClr val="bg1"/>
                 </a:solidFill>
@@ -5432,7 +5415,7 @@
           <a:p>
             <a:pPr algn="l"/>
             <a:r>
-              <a:rPr lang="en-IN" sz="1200" b="0" i="0" u="none" strike="noStrike" baseline="0" dirty="0">
+              <a:rPr lang="en-IN" sz="1050" b="0" i="0" u="none" strike="noStrike" baseline="0" dirty="0">
                 <a:solidFill>
                   <a:schemeClr val="bg1"/>
                 </a:solidFill>
@@ -5444,7 +5427,7 @@
           <a:p>
             <a:pPr algn="l"/>
             <a:r>
-              <a:rPr lang="en-IN" sz="1200" b="0" i="0" u="none" strike="noStrike" baseline="0" dirty="0">
+              <a:rPr lang="en-IN" sz="1050" b="0" i="0" u="none" strike="noStrike" baseline="0" dirty="0">
                 <a:solidFill>
                   <a:schemeClr val="bg1"/>
                 </a:solidFill>
@@ -5456,15 +5439,33 @@
           <a:p>
             <a:pPr algn="l"/>
             <a:r>
-              <a:rPr lang="fr-FR" sz="1200" b="0" i="0" u="none" strike="noStrike" baseline="0" dirty="0">
+              <a:rPr lang="fr-FR" sz="1050" b="0" i="0" u="none" strike="noStrike" baseline="0" dirty="0" smtClean="0">
                 <a:solidFill>
                   <a:schemeClr val="bg1"/>
                 </a:solidFill>
                 <a:latin typeface="Raleway" panose="020B0604020202020204" charset="0"/>
               </a:rPr>
-              <a:t>Email: neda.tavakoli@gatech.edu</a:t>
-            </a:r>
-            <a:endParaRPr lang="en-IN" sz="1200" dirty="0">
+              <a:t>Email:</a:t>
+            </a:r>
+            <a:r>
+              <a:rPr lang="fr-FR" sz="1050" b="0" i="0" u="none" strike="noStrike" dirty="0" smtClean="0">
+                <a:solidFill>
+                  <a:schemeClr val="bg1"/>
+                </a:solidFill>
+                <a:latin typeface="Raleway" panose="020B0604020202020204" charset="0"/>
+              </a:rPr>
+              <a:t> </a:t>
+            </a:r>
+            <a:r>
+              <a:rPr lang="fr-FR" sz="1050" b="0" i="0" u="none" strike="noStrike" baseline="0" dirty="0" smtClean="0">
+                <a:solidFill>
+                  <a:schemeClr val="bg1"/>
+                </a:solidFill>
+                <a:latin typeface="Raleway" panose="020B0604020202020204" charset="0"/>
+              </a:rPr>
+              <a:t>neda.tavakoli@gatech.edu</a:t>
+            </a:r>
+            <a:endParaRPr lang="en-IN" sz="1050" dirty="0">
               <a:solidFill>
                 <a:schemeClr val="bg1"/>
               </a:solidFill>
@@ -5487,8 +5488,8 @@
         </p:nvSpPr>
         <p:spPr>
           <a:xfrm>
-            <a:off x="5981440" y="2351787"/>
-            <a:ext cx="2242655" cy="1015663"/>
+            <a:off x="5747311" y="2351788"/>
+            <a:ext cx="2242655" cy="900246"/>
           </a:xfrm>
           <a:prstGeom prst="rect">
             <a:avLst/>
@@ -5503,7 +5504,7 @@
           <a:p>
             <a:pPr algn="l"/>
             <a:r>
-              <a:rPr lang="en-IN" sz="1200" b="0" i="0" u="none" strike="noStrike" baseline="0" dirty="0">
+              <a:rPr lang="en-IN" sz="1050" b="0" i="0" u="none" strike="noStrike" baseline="0" dirty="0">
                 <a:solidFill>
                   <a:schemeClr val="bg1"/>
                 </a:solidFill>
@@ -5515,7 +5516,7 @@
           <a:p>
             <a:pPr algn="l"/>
             <a:r>
-              <a:rPr lang="en-IN" sz="1200" b="0" i="0" u="none" strike="noStrike" baseline="0" dirty="0">
+              <a:rPr lang="en-IN" sz="1050" b="0" i="0" u="none" strike="noStrike" baseline="0" dirty="0">
                 <a:solidFill>
                   <a:schemeClr val="bg1"/>
                 </a:solidFill>
@@ -5527,7 +5528,7 @@
           <a:p>
             <a:pPr algn="l"/>
             <a:r>
-              <a:rPr lang="en-IN" sz="1200" b="0" i="0" u="none" strike="noStrike" baseline="0" dirty="0">
+              <a:rPr lang="en-IN" sz="1050" b="0" i="0" u="none" strike="noStrike" baseline="0" dirty="0">
                 <a:solidFill>
                   <a:schemeClr val="bg1"/>
                 </a:solidFill>
@@ -5539,7 +5540,7 @@
           <a:p>
             <a:pPr algn="l"/>
             <a:r>
-              <a:rPr lang="fr-FR" sz="1200" b="0" i="0" u="none" strike="noStrike" baseline="0" dirty="0">
+              <a:rPr lang="fr-FR" sz="1050" b="0" i="0" u="none" strike="noStrike" baseline="0" dirty="0">
                 <a:solidFill>
                   <a:schemeClr val="bg1"/>
                 </a:solidFill>
@@ -5547,7 +5548,7 @@
               </a:rPr>
               <a:t>Email: akbar.namin@ttu.edu</a:t>
             </a:r>
-            <a:endParaRPr lang="en-IN" sz="1200" dirty="0">
+            <a:endParaRPr lang="en-IN" sz="1050" dirty="0">
               <a:solidFill>
                 <a:schemeClr val="bg1"/>
               </a:solidFill>
@@ -5570,8 +5571,8 @@
         </p:nvSpPr>
         <p:spPr>
           <a:xfrm>
-            <a:off x="553710" y="4162819"/>
-            <a:ext cx="7620767" cy="738664"/>
+            <a:off x="553710" y="4229225"/>
+            <a:ext cx="7620767" cy="523220"/>
           </a:xfrm>
           <a:prstGeom prst="rect">
             <a:avLst/>
@@ -5585,31 +5586,84 @@
           <a:lstStyle/>
           <a:p>
             <a:r>
-              <a:rPr lang="en-US" sz="1400" dirty="0" smtClean="0">
+              <a:rPr lang="en-US" i="1" dirty="0" smtClean="0">
                 <a:solidFill>
                   <a:srgbClr val="0070C0"/>
                 </a:solidFill>
               </a:rPr>
-              <a:t> Shashank Sinha</a:t>
-            </a:r>
-          </a:p>
-          <a:p>
-            <a:r>
-              <a:rPr lang="en-US" dirty="0" smtClean="0">
+              <a:t>         Shashank </a:t>
+            </a:r>
+            <a:r>
+              <a:rPr lang="en-US" i="1" dirty="0">
                 <a:solidFill>
                   <a:srgbClr val="0070C0"/>
                 </a:solidFill>
               </a:rPr>
-              <a:t> Roll no. - 1810002</a:t>
-            </a:r>
-            <a:r>
-              <a:rPr lang="en-US" sz="2000" dirty="0"/>
-              <a:t/>
-            </a:r>
-            <a:br>
-              <a:rPr lang="en-US" sz="2000" dirty="0"/>
-            </a:br>
-            <a:endParaRPr lang="en-IN" dirty="0"/>
+              <a:t>Sinha (1810002</a:t>
+            </a:r>
+            <a:r>
+              <a:rPr lang="en-US" i="1" dirty="0" smtClean="0">
+                <a:solidFill>
+                  <a:srgbClr val="0070C0"/>
+                </a:solidFill>
+              </a:rPr>
+              <a:t>)                                     Supervisor </a:t>
+            </a:r>
+            <a:r>
+              <a:rPr lang="en-US" i="1" dirty="0">
+                <a:solidFill>
+                  <a:srgbClr val="0070C0"/>
+                </a:solidFill>
+              </a:rPr>
+              <a:t>: Dr. Anurag </a:t>
+            </a:r>
+            <a:r>
+              <a:rPr lang="en-US" i="1" dirty="0" smtClean="0">
+                <a:solidFill>
+                  <a:srgbClr val="0070C0"/>
+                </a:solidFill>
+              </a:rPr>
+              <a:t>Sahay</a:t>
+            </a:r>
+            <a:endParaRPr lang="en-US" sz="1400" i="1" dirty="0" smtClean="0">
+              <a:solidFill>
+                <a:srgbClr val="0070C0"/>
+              </a:solidFill>
+            </a:endParaRPr>
+          </a:p>
+          <a:p>
+            <a:r>
+              <a:rPr lang="en-US" i="1" smtClean="0">
+                <a:solidFill>
+                  <a:srgbClr val="0070C0"/>
+                </a:solidFill>
+              </a:rPr>
+              <a:t> </a:t>
+            </a:r>
+            <a:r>
+              <a:rPr lang="en-US" i="1" smtClean="0">
+                <a:solidFill>
+                  <a:srgbClr val="0070C0"/>
+                </a:solidFill>
+              </a:rPr>
+              <a:t>        </a:t>
+            </a:r>
+            <a:r>
+              <a:rPr lang="en-US" i="1" smtClean="0">
+                <a:solidFill>
+                  <a:srgbClr val="0070C0"/>
+                </a:solidFill>
+              </a:rPr>
+              <a:t>Subject </a:t>
+            </a:r>
+            <a:r>
+              <a:rPr lang="en-US" i="1" dirty="0" smtClean="0">
+                <a:solidFill>
+                  <a:srgbClr val="0070C0"/>
+                </a:solidFill>
+              </a:rPr>
+              <a:t>code : PHL8902</a:t>
+            </a:r>
           </a:p>
         </p:txBody>
       </p:sp>
@@ -6850,7 +6904,7 @@
                 <a:effectLst/>
                 <a:latin typeface="CMS"/>
               </a:rPr>
-              <a:t>RNN (Recurrent Neural Network), </a:t>
+              <a:t>RNN, </a:t>
             </a:r>
             <a:r>
               <a:rPr lang="en-US" sz="1400" b="0" i="0" dirty="0">
@@ -6860,7 +6914,27 @@
                 <a:effectLst/>
                 <a:latin typeface="CMS"/>
               </a:rPr>
-              <a:t>capable of learning long-term dependencies. LSTMs are explicitly designed to avoid the long-term dependency problem. Remembering information for long periods of time is practically their default behavior.</a:t>
+              <a:t>capable of learning long-term dependencies. LSTMs are explicitly designed to avoid the long-term </a:t>
+            </a:r>
+            <a:r>
+              <a:rPr lang="en-US" sz="1400" b="0" i="0" dirty="0" smtClean="0">
+                <a:solidFill>
+                  <a:schemeClr val="bg1"/>
+                </a:solidFill>
+                <a:effectLst/>
+                <a:latin typeface="CMS"/>
+              </a:rPr>
+              <a:t>dependency (Vanishing gradient) </a:t>
+            </a:r>
+            <a:r>
+              <a:rPr lang="en-US" sz="1400" b="0" i="0" dirty="0">
+                <a:solidFill>
+                  <a:schemeClr val="bg1"/>
+                </a:solidFill>
+                <a:effectLst/>
+                <a:latin typeface="CMS"/>
+              </a:rPr>
+              <a:t>problem. Remembering information for long periods of time is practically their default behavior.</a:t>
             </a:r>
             <a:endParaRPr sz="1400" dirty="0">
               <a:solidFill>
@@ -7027,7 +7101,55 @@
                 <a:effectLst/>
                 <a:latin typeface="Raleway" panose="020B0604020202020204" charset="0"/>
               </a:rPr>
-              <a:t>The function below creates an ARIMA model rolling forecast for a given input time series.</a:t>
+              <a:t>The </a:t>
+            </a:r>
+            <a:r>
+              <a:rPr lang="en-US" sz="1400" i="0" dirty="0" smtClean="0">
+                <a:solidFill>
+                  <a:schemeClr val="accent6">
+                    <a:lumMod val="75000"/>
+                  </a:schemeClr>
+                </a:solidFill>
+                <a:effectLst/>
+                <a:latin typeface="Raleway" panose="020B0604020202020204" charset="0"/>
+              </a:rPr>
+              <a:t>function </a:t>
+            </a:r>
+            <a:r>
+              <a:rPr lang="en-US" sz="1400" i="0" dirty="0" err="1" smtClean="0">
+                <a:solidFill>
+                  <a:schemeClr val="accent6">
+                    <a:lumMod val="75000"/>
+                  </a:schemeClr>
+                </a:solidFill>
+                <a:effectLst/>
+                <a:latin typeface="Raleway" panose="020B0604020202020204" charset="0"/>
+              </a:rPr>
+              <a:t>arima_model</a:t>
+            </a:r>
+            <a:r>
+              <a:rPr lang="en-US" sz="1400" i="0" dirty="0" smtClean="0">
+                <a:solidFill>
+                  <a:schemeClr val="accent6">
+                    <a:lumMod val="75000"/>
+                  </a:schemeClr>
+                </a:solidFill>
+                <a:effectLst/>
+                <a:latin typeface="Raleway" panose="020B0604020202020204" charset="0"/>
+              </a:rPr>
+              <a:t> </a:t>
+            </a:r>
+            <a:r>
+              <a:rPr lang="en-US" sz="1400" i="0" dirty="0">
+                <a:solidFill>
+                  <a:schemeClr val="accent6">
+                    <a:lumMod val="75000"/>
+                  </a:schemeClr>
+                </a:solidFill>
+                <a:effectLst/>
+                <a:latin typeface="Raleway" panose="020B0604020202020204" charset="0"/>
+              </a:rPr>
+              <a:t>creates an ARIMA model rolling forecast for a given input time series.</a:t>
             </a:r>
             <a:r>
               <a:rPr lang="en-US" sz="1100" i="0" dirty="0">
